--- a/Presentations/UserHomogeneityEdgeDetection.pptx
+++ b/Presentations/UserHomogeneityEdgeDetection.pptx
@@ -519,7 +519,7 @@
           <a:noFill/>
           <a:extLst>
             <a:ext uri="{909E8E84-426E-40dd-AFC4-6F175D3DCCD1}">
-              <a14:hiddenFill xmlns="" xmlns:a14="http://schemas.microsoft.com/office/drawing/2010/main">
+              <a14:hiddenFill xmlns:a14="http://schemas.microsoft.com/office/drawing/2010/main" xmlns="">
                 <a:solidFill>
                   <a:srgbClr val="FFFFFF"/>
                 </a:solidFill>
@@ -579,7 +579,7 @@
             </a:ln>
             <a:extLst>
               <a:ext uri="{91240B29-F687-4f45-9708-019B960494DF}">
-                <a14:hiddenLine xmlns="" xmlns:a14="http://schemas.microsoft.com/office/drawing/2010/main" w="9525">
+                <a14:hiddenLine xmlns:a14="http://schemas.microsoft.com/office/drawing/2010/main" xmlns="" w="9525">
                   <a:solidFill>
                     <a:srgbClr val="000000"/>
                   </a:solidFill>
@@ -669,7 +669,7 @@
             </a:ln>
             <a:extLst>
               <a:ext uri="{91240B29-F687-4f45-9708-019B960494DF}">
-                <a14:hiddenLine xmlns="" xmlns:a14="http://schemas.microsoft.com/office/drawing/2010/main" w="9525">
+                <a14:hiddenLine xmlns:a14="http://schemas.microsoft.com/office/drawing/2010/main" xmlns="" w="9525">
                   <a:solidFill>
                     <a:srgbClr val="000000"/>
                   </a:solidFill>
@@ -759,7 +759,7 @@
             </a:ln>
             <a:extLst>
               <a:ext uri="{91240B29-F687-4f45-9708-019B960494DF}">
-                <a14:hiddenLine xmlns="" xmlns:a14="http://schemas.microsoft.com/office/drawing/2010/main" w="9525">
+                <a14:hiddenLine xmlns:a14="http://schemas.microsoft.com/office/drawing/2010/main" xmlns="" w="9525">
                   <a:solidFill>
                     <a:srgbClr val="000000"/>
                   </a:solidFill>
@@ -793,7 +793,7 @@
             </a:ln>
             <a:extLst>
               <a:ext uri="{91240B29-F687-4f45-9708-019B960494DF}">
-                <a14:hiddenLine xmlns="" xmlns:a14="http://schemas.microsoft.com/office/drawing/2010/main" w="9525">
+                <a14:hiddenLine xmlns:a14="http://schemas.microsoft.com/office/drawing/2010/main" xmlns="" w="9525">
                   <a:solidFill>
                     <a:srgbClr val="000000"/>
                   </a:solidFill>
@@ -883,7 +883,7 @@
             </a:ln>
             <a:extLst>
               <a:ext uri="{91240B29-F687-4f45-9708-019B960494DF}">
-                <a14:hiddenLine xmlns="" xmlns:a14="http://schemas.microsoft.com/office/drawing/2010/main" w="9525">
+                <a14:hiddenLine xmlns:a14="http://schemas.microsoft.com/office/drawing/2010/main" xmlns="" w="9525">
                   <a:solidFill>
                     <a:srgbClr val="000000"/>
                   </a:solidFill>
@@ -945,7 +945,7 @@
             </a:ln>
             <a:extLst>
               <a:ext uri="{91240B29-F687-4f45-9708-019B960494DF}">
-                <a14:hiddenLine xmlns="" xmlns:a14="http://schemas.microsoft.com/office/drawing/2010/main" w="9525">
+                <a14:hiddenLine xmlns:a14="http://schemas.microsoft.com/office/drawing/2010/main" xmlns="" w="9525">
                   <a:solidFill>
                     <a:srgbClr val="000000"/>
                   </a:solidFill>
@@ -1007,7 +1007,7 @@
             </a:ln>
             <a:extLst>
               <a:ext uri="{91240B29-F687-4f45-9708-019B960494DF}">
-                <a14:hiddenLine xmlns="" xmlns:a14="http://schemas.microsoft.com/office/drawing/2010/main" w="9525">
+                <a14:hiddenLine xmlns:a14="http://schemas.microsoft.com/office/drawing/2010/main" xmlns="" w="9525">
                   <a:solidFill>
                     <a:srgbClr val="000000"/>
                   </a:solidFill>
@@ -1097,7 +1097,7 @@
             </a:ln>
             <a:extLst>
               <a:ext uri="{91240B29-F687-4f45-9708-019B960494DF}">
-                <a14:hiddenLine xmlns="" xmlns:a14="http://schemas.microsoft.com/office/drawing/2010/main" w="9525">
+                <a14:hiddenLine xmlns:a14="http://schemas.microsoft.com/office/drawing/2010/main" xmlns="" w="9525">
                   <a:solidFill>
                     <a:srgbClr val="000000"/>
                   </a:solidFill>
@@ -1159,7 +1159,7 @@
             </a:ln>
             <a:extLst>
               <a:ext uri="{91240B29-F687-4f45-9708-019B960494DF}">
-                <a14:hiddenLine xmlns="" xmlns:a14="http://schemas.microsoft.com/office/drawing/2010/main" w="9525">
+                <a14:hiddenLine xmlns:a14="http://schemas.microsoft.com/office/drawing/2010/main" xmlns="" w="9525">
                   <a:solidFill>
                     <a:srgbClr val="000000"/>
                   </a:solidFill>
@@ -1221,7 +1221,7 @@
             </a:ln>
             <a:extLst>
               <a:ext uri="{91240B29-F687-4f45-9708-019B960494DF}">
-                <a14:hiddenLine xmlns="" xmlns:a14="http://schemas.microsoft.com/office/drawing/2010/main" w="9525">
+                <a14:hiddenLine xmlns:a14="http://schemas.microsoft.com/office/drawing/2010/main" xmlns="" w="9525">
                   <a:solidFill>
                     <a:srgbClr val="000000"/>
                   </a:solidFill>
@@ -1311,7 +1311,7 @@
             </a:ln>
             <a:extLst>
               <a:ext uri="{91240B29-F687-4f45-9708-019B960494DF}">
-                <a14:hiddenLine xmlns="" xmlns:a14="http://schemas.microsoft.com/office/drawing/2010/main" w="9525">
+                <a14:hiddenLine xmlns:a14="http://schemas.microsoft.com/office/drawing/2010/main" xmlns="" w="9525">
                   <a:solidFill>
                     <a:srgbClr val="000000"/>
                   </a:solidFill>
@@ -1401,7 +1401,7 @@
             </a:ln>
             <a:extLst>
               <a:ext uri="{91240B29-F687-4f45-9708-019B960494DF}">
-                <a14:hiddenLine xmlns="" xmlns:a14="http://schemas.microsoft.com/office/drawing/2010/main" w="9525">
+                <a14:hiddenLine xmlns:a14="http://schemas.microsoft.com/office/drawing/2010/main" xmlns="" w="9525">
                   <a:solidFill>
                     <a:srgbClr val="000000"/>
                   </a:solidFill>
@@ -1463,7 +1463,7 @@
             </a:ln>
             <a:extLst>
               <a:ext uri="{91240B29-F687-4f45-9708-019B960494DF}">
-                <a14:hiddenLine xmlns="" xmlns:a14="http://schemas.microsoft.com/office/drawing/2010/main" w="9525">
+                <a14:hiddenLine xmlns:a14="http://schemas.microsoft.com/office/drawing/2010/main" xmlns="" w="9525">
                   <a:solidFill>
                     <a:srgbClr val="000000"/>
                   </a:solidFill>
@@ -1573,7 +1573,7 @@
             </a:ln>
             <a:extLst>
               <a:ext uri="{91240B29-F687-4f45-9708-019B960494DF}">
-                <a14:hiddenLine xmlns="" xmlns:a14="http://schemas.microsoft.com/office/drawing/2010/main" w="9525">
+                <a14:hiddenLine xmlns:a14="http://schemas.microsoft.com/office/drawing/2010/main" xmlns="" w="9525">
                   <a:solidFill>
                     <a:srgbClr val="000000"/>
                   </a:solidFill>
@@ -1635,7 +1635,7 @@
             </a:ln>
             <a:extLst>
               <a:ext uri="{91240B29-F687-4f45-9708-019B960494DF}">
-                <a14:hiddenLine xmlns="" xmlns:a14="http://schemas.microsoft.com/office/drawing/2010/main" w="9525">
+                <a14:hiddenLine xmlns:a14="http://schemas.microsoft.com/office/drawing/2010/main" xmlns="" w="9525">
                   <a:solidFill>
                     <a:srgbClr val="000000"/>
                   </a:solidFill>
@@ -1725,7 +1725,7 @@
             </a:ln>
             <a:extLst>
               <a:ext uri="{91240B29-F687-4f45-9708-019B960494DF}">
-                <a14:hiddenLine xmlns="" xmlns:a14="http://schemas.microsoft.com/office/drawing/2010/main" w="9525">
+                <a14:hiddenLine xmlns:a14="http://schemas.microsoft.com/office/drawing/2010/main" xmlns="" w="9525">
                   <a:solidFill>
                     <a:srgbClr val="000000"/>
                   </a:solidFill>
@@ -1815,7 +1815,7 @@
             </a:ln>
             <a:extLst>
               <a:ext uri="{91240B29-F687-4f45-9708-019B960494DF}">
-                <a14:hiddenLine xmlns="" xmlns:a14="http://schemas.microsoft.com/office/drawing/2010/main" w="9525">
+                <a14:hiddenLine xmlns:a14="http://schemas.microsoft.com/office/drawing/2010/main" xmlns="" w="9525">
                   <a:solidFill>
                     <a:srgbClr val="000000"/>
                   </a:solidFill>
@@ -1877,7 +1877,7 @@
             </a:ln>
             <a:extLst>
               <a:ext uri="{91240B29-F687-4f45-9708-019B960494DF}">
-                <a14:hiddenLine xmlns="" xmlns:a14="http://schemas.microsoft.com/office/drawing/2010/main" w="9525">
+                <a14:hiddenLine xmlns:a14="http://schemas.microsoft.com/office/drawing/2010/main" xmlns="" w="9525">
                   <a:solidFill>
                     <a:srgbClr val="000000"/>
                   </a:solidFill>
@@ -1967,7 +1967,7 @@
             </a:ln>
             <a:extLst>
               <a:ext uri="{91240B29-F687-4f45-9708-019B960494DF}">
-                <a14:hiddenLine xmlns="" xmlns:a14="http://schemas.microsoft.com/office/drawing/2010/main" w="9525">
+                <a14:hiddenLine xmlns:a14="http://schemas.microsoft.com/office/drawing/2010/main" xmlns="" w="9525">
                   <a:solidFill>
                     <a:srgbClr val="000000"/>
                   </a:solidFill>
@@ -2057,7 +2057,7 @@
             </a:ln>
             <a:extLst>
               <a:ext uri="{91240B29-F687-4f45-9708-019B960494DF}">
-                <a14:hiddenLine xmlns="" xmlns:a14="http://schemas.microsoft.com/office/drawing/2010/main" w="9525">
+                <a14:hiddenLine xmlns:a14="http://schemas.microsoft.com/office/drawing/2010/main" xmlns="" w="9525">
                   <a:solidFill>
                     <a:srgbClr val="000000"/>
                   </a:solidFill>
@@ -2113,7 +2113,7 @@
             </a:ln>
             <a:extLst>
               <a:ext uri="{91240B29-F687-4f45-9708-019B960494DF}">
-                <a14:hiddenLine xmlns="" xmlns:a14="http://schemas.microsoft.com/office/drawing/2010/main" w="9525">
+                <a14:hiddenLine xmlns:a14="http://schemas.microsoft.com/office/drawing/2010/main" xmlns="" w="9525">
                   <a:solidFill>
                     <a:srgbClr val="000000"/>
                   </a:solidFill>
@@ -2203,7 +2203,7 @@
             </a:ln>
             <a:extLst>
               <a:ext uri="{91240B29-F687-4f45-9708-019B960494DF}">
-                <a14:hiddenLine xmlns="" xmlns:a14="http://schemas.microsoft.com/office/drawing/2010/main" w="9525">
+                <a14:hiddenLine xmlns:a14="http://schemas.microsoft.com/office/drawing/2010/main" xmlns="" w="9525">
                   <a:solidFill>
                     <a:srgbClr val="000000"/>
                   </a:solidFill>
@@ -2259,7 +2259,7 @@
             </a:ln>
             <a:extLst>
               <a:ext uri="{91240B29-F687-4f45-9708-019B960494DF}">
-                <a14:hiddenLine xmlns="" xmlns:a14="http://schemas.microsoft.com/office/drawing/2010/main" w="9525">
+                <a14:hiddenLine xmlns:a14="http://schemas.microsoft.com/office/drawing/2010/main" xmlns="" w="9525">
                   <a:solidFill>
                     <a:srgbClr val="000000"/>
                   </a:solidFill>
@@ -2349,7 +2349,7 @@
             </a:ln>
             <a:extLst>
               <a:ext uri="{91240B29-F687-4f45-9708-019B960494DF}">
-                <a14:hiddenLine xmlns="" xmlns:a14="http://schemas.microsoft.com/office/drawing/2010/main" w="9525">
+                <a14:hiddenLine xmlns:a14="http://schemas.microsoft.com/office/drawing/2010/main" xmlns="" w="9525">
                   <a:solidFill>
                     <a:srgbClr val="000000"/>
                   </a:solidFill>
@@ -2417,7 +2417,7 @@
             </a:ln>
             <a:extLst>
               <a:ext uri="{91240B29-F687-4f45-9708-019B960494DF}">
-                <a14:hiddenLine xmlns="" xmlns:a14="http://schemas.microsoft.com/office/drawing/2010/main" w="9525">
+                <a14:hiddenLine xmlns:a14="http://schemas.microsoft.com/office/drawing/2010/main" xmlns="" w="9525">
                   <a:solidFill>
                     <a:srgbClr val="000000"/>
                   </a:solidFill>
@@ -2507,7 +2507,7 @@
             </a:ln>
             <a:extLst>
               <a:ext uri="{91240B29-F687-4f45-9708-019B960494DF}">
-                <a14:hiddenLine xmlns="" xmlns:a14="http://schemas.microsoft.com/office/drawing/2010/main" w="9525">
+                <a14:hiddenLine xmlns:a14="http://schemas.microsoft.com/office/drawing/2010/main" xmlns="" w="9525">
                   <a:solidFill>
                     <a:srgbClr val="000000"/>
                   </a:solidFill>
@@ -2575,7 +2575,7 @@
             </a:ln>
             <a:extLst>
               <a:ext uri="{91240B29-F687-4f45-9708-019B960494DF}">
-                <a14:hiddenLine xmlns="" xmlns:a14="http://schemas.microsoft.com/office/drawing/2010/main" w="9525">
+                <a14:hiddenLine xmlns:a14="http://schemas.microsoft.com/office/drawing/2010/main" xmlns="" w="9525">
                   <a:solidFill>
                     <a:srgbClr val="000000"/>
                   </a:solidFill>
@@ -2665,7 +2665,7 @@
             </a:ln>
             <a:extLst>
               <a:ext uri="{91240B29-F687-4f45-9708-019B960494DF}">
-                <a14:hiddenLine xmlns="" xmlns:a14="http://schemas.microsoft.com/office/drawing/2010/main" w="9525">
+                <a14:hiddenLine xmlns:a14="http://schemas.microsoft.com/office/drawing/2010/main" xmlns="" w="9525">
                   <a:solidFill>
                     <a:srgbClr val="000000"/>
                   </a:solidFill>
@@ -2699,7 +2699,7 @@
             </a:ln>
             <a:extLst>
               <a:ext uri="{91240B29-F687-4f45-9708-019B960494DF}">
-                <a14:hiddenLine xmlns="" xmlns:a14="http://schemas.microsoft.com/office/drawing/2010/main" w="9525">
+                <a14:hiddenLine xmlns:a14="http://schemas.microsoft.com/office/drawing/2010/main" xmlns="" w="9525">
                   <a:solidFill>
                     <a:srgbClr val="000000"/>
                   </a:solidFill>
@@ -2789,7 +2789,7 @@
             </a:ln>
             <a:extLst>
               <a:ext uri="{91240B29-F687-4f45-9708-019B960494DF}">
-                <a14:hiddenLine xmlns="" xmlns:a14="http://schemas.microsoft.com/office/drawing/2010/main" w="9525">
+                <a14:hiddenLine xmlns:a14="http://schemas.microsoft.com/office/drawing/2010/main" xmlns="" w="9525">
                   <a:solidFill>
                     <a:srgbClr val="000000"/>
                   </a:solidFill>
@@ -2851,7 +2851,7 @@
             </a:ln>
             <a:extLst>
               <a:ext uri="{91240B29-F687-4f45-9708-019B960494DF}">
-                <a14:hiddenLine xmlns="" xmlns:a14="http://schemas.microsoft.com/office/drawing/2010/main" w="9525">
+                <a14:hiddenLine xmlns:a14="http://schemas.microsoft.com/office/drawing/2010/main" xmlns="" w="9525">
                   <a:solidFill>
                     <a:srgbClr val="000000"/>
                   </a:solidFill>
@@ -2913,7 +2913,7 @@
             </a:ln>
             <a:extLst>
               <a:ext uri="{91240B29-F687-4f45-9708-019B960494DF}">
-                <a14:hiddenLine xmlns="" xmlns:a14="http://schemas.microsoft.com/office/drawing/2010/main" w="9525">
+                <a14:hiddenLine xmlns:a14="http://schemas.microsoft.com/office/drawing/2010/main" xmlns="" w="9525">
                   <a:solidFill>
                     <a:srgbClr val="000000"/>
                   </a:solidFill>
@@ -3003,7 +3003,7 @@
             </a:ln>
             <a:extLst>
               <a:ext uri="{91240B29-F687-4f45-9708-019B960494DF}">
-                <a14:hiddenLine xmlns="" xmlns:a14="http://schemas.microsoft.com/office/drawing/2010/main" w="9525">
+                <a14:hiddenLine xmlns:a14="http://schemas.microsoft.com/office/drawing/2010/main" xmlns="" w="9525">
                   <a:solidFill>
                     <a:srgbClr val="000000"/>
                   </a:solidFill>
@@ -3071,7 +3071,7 @@
             </a:ln>
             <a:extLst>
               <a:ext uri="{91240B29-F687-4f45-9708-019B960494DF}">
-                <a14:hiddenLine xmlns="" xmlns:a14="http://schemas.microsoft.com/office/drawing/2010/main" w="9525">
+                <a14:hiddenLine xmlns:a14="http://schemas.microsoft.com/office/drawing/2010/main" xmlns="" w="9525">
                   <a:solidFill>
                     <a:srgbClr val="000000"/>
                   </a:solidFill>
@@ -3133,7 +3133,7 @@
             </a:ln>
             <a:extLst>
               <a:ext uri="{91240B29-F687-4f45-9708-019B960494DF}">
-                <a14:hiddenLine xmlns="" xmlns:a14="http://schemas.microsoft.com/office/drawing/2010/main" w="9525">
+                <a14:hiddenLine xmlns:a14="http://schemas.microsoft.com/office/drawing/2010/main" xmlns="" w="9525">
                   <a:solidFill>
                     <a:srgbClr val="000000"/>
                   </a:solidFill>
@@ -3223,7 +3223,7 @@
             </a:ln>
             <a:extLst>
               <a:ext uri="{91240B29-F687-4f45-9708-019B960494DF}">
-                <a14:hiddenLine xmlns="" xmlns:a14="http://schemas.microsoft.com/office/drawing/2010/main" w="9525">
+                <a14:hiddenLine xmlns:a14="http://schemas.microsoft.com/office/drawing/2010/main" xmlns="" w="9525">
                   <a:solidFill>
                     <a:srgbClr val="000000"/>
                   </a:solidFill>
@@ -3285,7 +3285,7 @@
             </a:ln>
             <a:extLst>
               <a:ext uri="{91240B29-F687-4f45-9708-019B960494DF}">
-                <a14:hiddenLine xmlns="" xmlns:a14="http://schemas.microsoft.com/office/drawing/2010/main" w="9525">
+                <a14:hiddenLine xmlns:a14="http://schemas.microsoft.com/office/drawing/2010/main" xmlns="" w="9525">
                   <a:solidFill>
                     <a:srgbClr val="000000"/>
                   </a:solidFill>
@@ -3375,7 +3375,7 @@
             </a:ln>
             <a:extLst>
               <a:ext uri="{91240B29-F687-4f45-9708-019B960494DF}">
-                <a14:hiddenLine xmlns="" xmlns:a14="http://schemas.microsoft.com/office/drawing/2010/main" w="9525">
+                <a14:hiddenLine xmlns:a14="http://schemas.microsoft.com/office/drawing/2010/main" xmlns="" w="9525">
                   <a:solidFill>
                     <a:srgbClr val="000000"/>
                   </a:solidFill>
@@ -3437,7 +3437,7 @@
             </a:ln>
             <a:extLst>
               <a:ext uri="{91240B29-F687-4f45-9708-019B960494DF}">
-                <a14:hiddenLine xmlns="" xmlns:a14="http://schemas.microsoft.com/office/drawing/2010/main" w="9525">
+                <a14:hiddenLine xmlns:a14="http://schemas.microsoft.com/office/drawing/2010/main" xmlns="" w="9525">
                   <a:solidFill>
                     <a:srgbClr val="000000"/>
                   </a:solidFill>
@@ -3527,7 +3527,7 @@
             </a:ln>
             <a:extLst>
               <a:ext uri="{91240B29-F687-4f45-9708-019B960494DF}">
-                <a14:hiddenLine xmlns="" xmlns:a14="http://schemas.microsoft.com/office/drawing/2010/main" w="9525">
+                <a14:hiddenLine xmlns:a14="http://schemas.microsoft.com/office/drawing/2010/main" xmlns="" w="9525">
                   <a:solidFill>
                     <a:srgbClr val="000000"/>
                   </a:solidFill>
@@ -3561,7 +3561,7 @@
             </a:ln>
             <a:extLst>
               <a:ext uri="{91240B29-F687-4f45-9708-019B960494DF}">
-                <a14:hiddenLine xmlns="" xmlns:a14="http://schemas.microsoft.com/office/drawing/2010/main" w="9525">
+                <a14:hiddenLine xmlns:a14="http://schemas.microsoft.com/office/drawing/2010/main" xmlns="" w="9525">
                   <a:solidFill>
                     <a:srgbClr val="000000"/>
                   </a:solidFill>
@@ -3626,7 +3626,7 @@
             </a:ln>
             <a:extLst>
               <a:ext uri="{91240B29-F687-4f45-9708-019B960494DF}">
-                <a14:hiddenLine xmlns="" xmlns:a14="http://schemas.microsoft.com/office/drawing/2010/main" w="9525">
+                <a14:hiddenLine xmlns:a14="http://schemas.microsoft.com/office/drawing/2010/main" xmlns="" w="9525">
                   <a:solidFill>
                     <a:srgbClr val="000000"/>
                   </a:solidFill>
@@ -3716,7 +3716,7 @@
             </a:ln>
             <a:extLst>
               <a:ext uri="{91240B29-F687-4f45-9708-019B960494DF}">
-                <a14:hiddenLine xmlns="" xmlns:a14="http://schemas.microsoft.com/office/drawing/2010/main" w="9525">
+                <a14:hiddenLine xmlns:a14="http://schemas.microsoft.com/office/drawing/2010/main" xmlns="" w="9525">
                   <a:solidFill>
                     <a:srgbClr val="000000"/>
                   </a:solidFill>
@@ -3778,7 +3778,7 @@
             </a:ln>
             <a:extLst>
               <a:ext uri="{91240B29-F687-4f45-9708-019B960494DF}">
-                <a14:hiddenLine xmlns="" xmlns:a14="http://schemas.microsoft.com/office/drawing/2010/main" w="9525">
+                <a14:hiddenLine xmlns:a14="http://schemas.microsoft.com/office/drawing/2010/main" xmlns="" w="9525">
                   <a:solidFill>
                     <a:srgbClr val="000000"/>
                   </a:solidFill>
@@ -3868,7 +3868,7 @@
             </a:ln>
             <a:extLst>
               <a:ext uri="{91240B29-F687-4f45-9708-019B960494DF}">
-                <a14:hiddenLine xmlns="" xmlns:a14="http://schemas.microsoft.com/office/drawing/2010/main" w="9525">
+                <a14:hiddenLine xmlns:a14="http://schemas.microsoft.com/office/drawing/2010/main" xmlns="" w="9525">
                   <a:solidFill>
                     <a:srgbClr val="000000"/>
                   </a:solidFill>
@@ -3958,7 +3958,7 @@
             </a:ln>
             <a:extLst>
               <a:ext uri="{91240B29-F687-4f45-9708-019B960494DF}">
-                <a14:hiddenLine xmlns="" xmlns:a14="http://schemas.microsoft.com/office/drawing/2010/main" w="9525">
+                <a14:hiddenLine xmlns:a14="http://schemas.microsoft.com/office/drawing/2010/main" xmlns="" w="9525">
                   <a:solidFill>
                     <a:srgbClr val="000000"/>
                   </a:solidFill>
@@ -4023,7 +4023,7 @@
             </a:ln>
             <a:extLst>
               <a:ext uri="{91240B29-F687-4f45-9708-019B960494DF}">
-                <a14:hiddenLine xmlns="" xmlns:a14="http://schemas.microsoft.com/office/drawing/2010/main" w="9525">
+                <a14:hiddenLine xmlns:a14="http://schemas.microsoft.com/office/drawing/2010/main" xmlns="" w="9525">
                   <a:solidFill>
                     <a:srgbClr val="000000"/>
                   </a:solidFill>
@@ -4085,7 +4085,7 @@
             </a:ln>
             <a:extLst>
               <a:ext uri="{91240B29-F687-4f45-9708-019B960494DF}">
-                <a14:hiddenLine xmlns="" xmlns:a14="http://schemas.microsoft.com/office/drawing/2010/main" w="9525">
+                <a14:hiddenLine xmlns:a14="http://schemas.microsoft.com/office/drawing/2010/main" xmlns="" w="9525">
                   <a:solidFill>
                     <a:srgbClr val="000000"/>
                   </a:solidFill>
@@ -4175,7 +4175,7 @@
             </a:ln>
             <a:extLst>
               <a:ext uri="{91240B29-F687-4f45-9708-019B960494DF}">
-                <a14:hiddenLine xmlns="" xmlns:a14="http://schemas.microsoft.com/office/drawing/2010/main" w="9525">
+                <a14:hiddenLine xmlns:a14="http://schemas.microsoft.com/office/drawing/2010/main" xmlns="" w="9525">
                   <a:solidFill>
                     <a:srgbClr val="000000"/>
                   </a:solidFill>
@@ -4265,7 +4265,7 @@
             </a:ln>
             <a:extLst>
               <a:ext uri="{91240B29-F687-4f45-9708-019B960494DF}">
-                <a14:hiddenLine xmlns="" xmlns:a14="http://schemas.microsoft.com/office/drawing/2010/main" w="9525">
+                <a14:hiddenLine xmlns:a14="http://schemas.microsoft.com/office/drawing/2010/main" xmlns="" w="9525">
                   <a:solidFill>
                     <a:srgbClr val="000000"/>
                   </a:solidFill>
@@ -4327,7 +4327,7 @@
             </a:ln>
             <a:extLst>
               <a:ext uri="{91240B29-F687-4f45-9708-019B960494DF}">
-                <a14:hiddenLine xmlns="" xmlns:a14="http://schemas.microsoft.com/office/drawing/2010/main" w="9525">
+                <a14:hiddenLine xmlns:a14="http://schemas.microsoft.com/office/drawing/2010/main" xmlns="" w="9525">
                   <a:solidFill>
                     <a:srgbClr val="000000"/>
                   </a:solidFill>
@@ -4447,7 +4447,7 @@
             </a:ln>
             <a:extLst>
               <a:ext uri="{91240B29-F687-4f45-9708-019B960494DF}">
-                <a14:hiddenLine xmlns="" xmlns:a14="http://schemas.microsoft.com/office/drawing/2010/main" w="9525">
+                <a14:hiddenLine xmlns:a14="http://schemas.microsoft.com/office/drawing/2010/main" xmlns="" w="9525">
                   <a:solidFill>
                     <a:srgbClr val="000000"/>
                   </a:solidFill>
@@ -4515,7 +4515,7 @@
             </a:ln>
             <a:extLst>
               <a:ext uri="{91240B29-F687-4f45-9708-019B960494DF}">
-                <a14:hiddenLine xmlns="" xmlns:a14="http://schemas.microsoft.com/office/drawing/2010/main" w="9525">
+                <a14:hiddenLine xmlns:a14="http://schemas.microsoft.com/office/drawing/2010/main" xmlns="" w="9525">
                   <a:solidFill>
                     <a:srgbClr val="000000"/>
                   </a:solidFill>
@@ -4605,7 +4605,7 @@
             </a:ln>
             <a:extLst>
               <a:ext uri="{91240B29-F687-4f45-9708-019B960494DF}">
-                <a14:hiddenLine xmlns="" xmlns:a14="http://schemas.microsoft.com/office/drawing/2010/main" w="9525">
+                <a14:hiddenLine xmlns:a14="http://schemas.microsoft.com/office/drawing/2010/main" xmlns="" w="9525">
                   <a:solidFill>
                     <a:srgbClr val="000000"/>
                   </a:solidFill>
@@ -9412,7 +9412,7 @@
           <a:noFill/>
           <a:extLst>
             <a:ext uri="{909E8E84-426E-40dd-AFC4-6F175D3DCCD1}">
-              <a14:hiddenFill xmlns="" xmlns:a14="http://schemas.microsoft.com/office/drawing/2010/main">
+              <a14:hiddenFill xmlns:a14="http://schemas.microsoft.com/office/drawing/2010/main" xmlns="">
                 <a:solidFill>
                   <a:srgbClr val="FFFFFF"/>
                 </a:solidFill>
@@ -9486,7 +9486,7 @@
               </a:ln>
               <a:extLst>
                 <a:ext uri="{91240B29-F687-4f45-9708-019B960494DF}">
-                  <a14:hiddenLine xmlns="" xmlns:a14="http://schemas.microsoft.com/office/drawing/2010/main" w="9525">
+                  <a14:hiddenLine xmlns:a14="http://schemas.microsoft.com/office/drawing/2010/main" xmlns="" w="9525">
                     <a:solidFill>
                       <a:srgbClr val="000000"/>
                     </a:solidFill>
@@ -9576,7 +9576,7 @@
               </a:ln>
               <a:extLst>
                 <a:ext uri="{91240B29-F687-4f45-9708-019B960494DF}">
-                  <a14:hiddenLine xmlns="" xmlns:a14="http://schemas.microsoft.com/office/drawing/2010/main" w="9525">
+                  <a14:hiddenLine xmlns:a14="http://schemas.microsoft.com/office/drawing/2010/main" xmlns="" w="9525">
                     <a:solidFill>
                       <a:srgbClr val="000000"/>
                     </a:solidFill>
@@ -9666,7 +9666,7 @@
               </a:ln>
               <a:extLst>
                 <a:ext uri="{91240B29-F687-4f45-9708-019B960494DF}">
-                  <a14:hiddenLine xmlns="" xmlns:a14="http://schemas.microsoft.com/office/drawing/2010/main" w="9525">
+                  <a14:hiddenLine xmlns:a14="http://schemas.microsoft.com/office/drawing/2010/main" xmlns="" w="9525">
                     <a:solidFill>
                       <a:srgbClr val="000000"/>
                     </a:solidFill>
@@ -9728,7 +9728,7 @@
               </a:ln>
               <a:extLst>
                 <a:ext uri="{91240B29-F687-4f45-9708-019B960494DF}">
-                  <a14:hiddenLine xmlns="" xmlns:a14="http://schemas.microsoft.com/office/drawing/2010/main" w="9525">
+                  <a14:hiddenLine xmlns:a14="http://schemas.microsoft.com/office/drawing/2010/main" xmlns="" w="9525">
                     <a:solidFill>
                       <a:srgbClr val="000000"/>
                     </a:solidFill>
@@ -9818,7 +9818,7 @@
               </a:ln>
               <a:extLst>
                 <a:ext uri="{91240B29-F687-4f45-9708-019B960494DF}">
-                  <a14:hiddenLine xmlns="" xmlns:a14="http://schemas.microsoft.com/office/drawing/2010/main" w="9525">
+                  <a14:hiddenLine xmlns:a14="http://schemas.microsoft.com/office/drawing/2010/main" xmlns="" w="9525">
                     <a:solidFill>
                       <a:srgbClr val="000000"/>
                     </a:solidFill>
@@ -9880,7 +9880,7 @@
               </a:ln>
               <a:extLst>
                 <a:ext uri="{91240B29-F687-4f45-9708-019B960494DF}">
-                  <a14:hiddenLine xmlns="" xmlns:a14="http://schemas.microsoft.com/office/drawing/2010/main" w="9525">
+                  <a14:hiddenLine xmlns:a14="http://schemas.microsoft.com/office/drawing/2010/main" xmlns="" w="9525">
                     <a:solidFill>
                       <a:srgbClr val="000000"/>
                     </a:solidFill>
@@ -9942,7 +9942,7 @@
               </a:ln>
               <a:extLst>
                 <a:ext uri="{91240B29-F687-4f45-9708-019B960494DF}">
-                  <a14:hiddenLine xmlns="" xmlns:a14="http://schemas.microsoft.com/office/drawing/2010/main" w="9525">
+                  <a14:hiddenLine xmlns:a14="http://schemas.microsoft.com/office/drawing/2010/main" xmlns="" w="9525">
                     <a:solidFill>
                       <a:srgbClr val="000000"/>
                     </a:solidFill>
@@ -10032,7 +10032,7 @@
               </a:ln>
               <a:extLst>
                 <a:ext uri="{91240B29-F687-4f45-9708-019B960494DF}">
-                  <a14:hiddenLine xmlns="" xmlns:a14="http://schemas.microsoft.com/office/drawing/2010/main" w="9525">
+                  <a14:hiddenLine xmlns:a14="http://schemas.microsoft.com/office/drawing/2010/main" xmlns="" w="9525">
                     <a:solidFill>
                       <a:srgbClr val="000000"/>
                     </a:solidFill>
@@ -10122,7 +10122,7 @@
               </a:ln>
               <a:extLst>
                 <a:ext uri="{91240B29-F687-4f45-9708-019B960494DF}">
-                  <a14:hiddenLine xmlns="" xmlns:a14="http://schemas.microsoft.com/office/drawing/2010/main" w="9525">
+                  <a14:hiddenLine xmlns:a14="http://schemas.microsoft.com/office/drawing/2010/main" xmlns="" w="9525">
                     <a:solidFill>
                       <a:srgbClr val="000000"/>
                     </a:solidFill>
@@ -10184,7 +10184,7 @@
               </a:ln>
               <a:extLst>
                 <a:ext uri="{91240B29-F687-4f45-9708-019B960494DF}">
-                  <a14:hiddenLine xmlns="" xmlns:a14="http://schemas.microsoft.com/office/drawing/2010/main" w="9525">
+                  <a14:hiddenLine xmlns:a14="http://schemas.microsoft.com/office/drawing/2010/main" xmlns="" w="9525">
                     <a:solidFill>
                       <a:srgbClr val="000000"/>
                     </a:solidFill>
@@ -10294,7 +10294,7 @@
               </a:ln>
               <a:extLst>
                 <a:ext uri="{91240B29-F687-4f45-9708-019B960494DF}">
-                  <a14:hiddenLine xmlns="" xmlns:a14="http://schemas.microsoft.com/office/drawing/2010/main" w="9525">
+                  <a14:hiddenLine xmlns:a14="http://schemas.microsoft.com/office/drawing/2010/main" xmlns="" w="9525">
                     <a:solidFill>
                       <a:srgbClr val="000000"/>
                     </a:solidFill>
@@ -10378,7 +10378,7 @@
               </a:ln>
               <a:extLst>
                 <a:ext uri="{91240B29-F687-4f45-9708-019B960494DF}">
-                  <a14:hiddenLine xmlns="" xmlns:a14="http://schemas.microsoft.com/office/drawing/2010/main" w="9525">
+                  <a14:hiddenLine xmlns:a14="http://schemas.microsoft.com/office/drawing/2010/main" xmlns="" w="9525">
                     <a:solidFill>
                       <a:srgbClr val="000000"/>
                     </a:solidFill>
@@ -10440,7 +10440,7 @@
               </a:ln>
               <a:extLst>
                 <a:ext uri="{91240B29-F687-4f45-9708-019B960494DF}">
-                  <a14:hiddenLine xmlns="" xmlns:a14="http://schemas.microsoft.com/office/drawing/2010/main" w="9525">
+                  <a14:hiddenLine xmlns:a14="http://schemas.microsoft.com/office/drawing/2010/main" xmlns="" w="9525">
                     <a:solidFill>
                       <a:srgbClr val="000000"/>
                     </a:solidFill>
@@ -10502,7 +10502,7 @@
               </a:ln>
               <a:extLst>
                 <a:ext uri="{91240B29-F687-4f45-9708-019B960494DF}">
-                  <a14:hiddenLine xmlns="" xmlns:a14="http://schemas.microsoft.com/office/drawing/2010/main" w="9525">
+                  <a14:hiddenLine xmlns:a14="http://schemas.microsoft.com/office/drawing/2010/main" xmlns="" w="9525">
                     <a:solidFill>
                       <a:srgbClr val="000000"/>
                     </a:solidFill>
@@ -10592,7 +10592,7 @@
               </a:ln>
               <a:extLst>
                 <a:ext uri="{91240B29-F687-4f45-9708-019B960494DF}">
-                  <a14:hiddenLine xmlns="" xmlns:a14="http://schemas.microsoft.com/office/drawing/2010/main" w="9525">
+                  <a14:hiddenLine xmlns:a14="http://schemas.microsoft.com/office/drawing/2010/main" xmlns="" w="9525">
                     <a:solidFill>
                       <a:srgbClr val="000000"/>
                     </a:solidFill>
@@ -10626,7 +10626,7 @@
               </a:ln>
               <a:extLst>
                 <a:ext uri="{91240B29-F687-4f45-9708-019B960494DF}">
-                  <a14:hiddenLine xmlns="" xmlns:a14="http://schemas.microsoft.com/office/drawing/2010/main" w="9525">
+                  <a14:hiddenLine xmlns:a14="http://schemas.microsoft.com/office/drawing/2010/main" xmlns="" w="9525">
                     <a:solidFill>
                       <a:srgbClr val="000000"/>
                     </a:solidFill>
@@ -10691,7 +10691,7 @@
               </a:ln>
               <a:extLst>
                 <a:ext uri="{91240B29-F687-4f45-9708-019B960494DF}">
-                  <a14:hiddenLine xmlns="" xmlns:a14="http://schemas.microsoft.com/office/drawing/2010/main" w="9525">
+                  <a14:hiddenLine xmlns:a14="http://schemas.microsoft.com/office/drawing/2010/main" xmlns="" w="9525">
                     <a:solidFill>
                       <a:srgbClr val="000000"/>
                     </a:solidFill>
@@ -10781,7 +10781,7 @@
               </a:ln>
               <a:extLst>
                 <a:ext uri="{91240B29-F687-4f45-9708-019B960494DF}">
-                  <a14:hiddenLine xmlns="" xmlns:a14="http://schemas.microsoft.com/office/drawing/2010/main" w="9525">
+                  <a14:hiddenLine xmlns:a14="http://schemas.microsoft.com/office/drawing/2010/main" xmlns="" w="9525">
                     <a:solidFill>
                       <a:srgbClr val="000000"/>
                     </a:solidFill>
@@ -10843,7 +10843,7 @@
               </a:ln>
               <a:extLst>
                 <a:ext uri="{91240B29-F687-4f45-9708-019B960494DF}">
-                  <a14:hiddenLine xmlns="" xmlns:a14="http://schemas.microsoft.com/office/drawing/2010/main" w="9525">
+                  <a14:hiddenLine xmlns:a14="http://schemas.microsoft.com/office/drawing/2010/main" xmlns="" w="9525">
                     <a:solidFill>
                       <a:srgbClr val="000000"/>
                     </a:solidFill>
@@ -10933,7 +10933,7 @@
               </a:ln>
               <a:extLst>
                 <a:ext uri="{91240B29-F687-4f45-9708-019B960494DF}">
-                  <a14:hiddenLine xmlns="" xmlns:a14="http://schemas.microsoft.com/office/drawing/2010/main" w="9525">
+                  <a14:hiddenLine xmlns:a14="http://schemas.microsoft.com/office/drawing/2010/main" xmlns="" w="9525">
                     <a:solidFill>
                       <a:srgbClr val="000000"/>
                     </a:solidFill>
@@ -10998,7 +10998,7 @@
               </a:ln>
               <a:extLst>
                 <a:ext uri="{91240B29-F687-4f45-9708-019B960494DF}">
-                  <a14:hiddenLine xmlns="" xmlns:a14="http://schemas.microsoft.com/office/drawing/2010/main" w="9525">
+                  <a14:hiddenLine xmlns:a14="http://schemas.microsoft.com/office/drawing/2010/main" xmlns="" w="9525">
                     <a:solidFill>
                       <a:srgbClr val="000000"/>
                     </a:solidFill>
@@ -11060,7 +11060,7 @@
               </a:ln>
               <a:extLst>
                 <a:ext uri="{91240B29-F687-4f45-9708-019B960494DF}">
-                  <a14:hiddenLine xmlns="" xmlns:a14="http://schemas.microsoft.com/office/drawing/2010/main" w="9525">
+                  <a14:hiddenLine xmlns:a14="http://schemas.microsoft.com/office/drawing/2010/main" xmlns="" w="9525">
                     <a:solidFill>
                       <a:srgbClr val="000000"/>
                     </a:solidFill>
@@ -11150,7 +11150,7 @@
               </a:ln>
               <a:extLst>
                 <a:ext uri="{91240B29-F687-4f45-9708-019B960494DF}">
-                  <a14:hiddenLine xmlns="" xmlns:a14="http://schemas.microsoft.com/office/drawing/2010/main" w="9525">
+                  <a14:hiddenLine xmlns:a14="http://schemas.microsoft.com/office/drawing/2010/main" xmlns="" w="9525">
                     <a:solidFill>
                       <a:srgbClr val="000000"/>
                     </a:solidFill>
@@ -11240,7 +11240,7 @@
               </a:ln>
               <a:extLst>
                 <a:ext uri="{91240B29-F687-4f45-9708-019B960494DF}">
-                  <a14:hiddenLine xmlns="" xmlns:a14="http://schemas.microsoft.com/office/drawing/2010/main" w="9525">
+                  <a14:hiddenLine xmlns:a14="http://schemas.microsoft.com/office/drawing/2010/main" xmlns="" w="9525">
                     <a:solidFill>
                       <a:srgbClr val="000000"/>
                     </a:solidFill>
@@ -11305,7 +11305,7 @@
               </a:ln>
               <a:extLst>
                 <a:ext uri="{91240B29-F687-4f45-9708-019B960494DF}">
-                  <a14:hiddenLine xmlns="" xmlns:a14="http://schemas.microsoft.com/office/drawing/2010/main" w="9525">
+                  <a14:hiddenLine xmlns:a14="http://schemas.microsoft.com/office/drawing/2010/main" xmlns="" w="9525">
                     <a:solidFill>
                       <a:srgbClr val="000000"/>
                     </a:solidFill>
@@ -11425,7 +11425,7 @@
               </a:ln>
               <a:extLst>
                 <a:ext uri="{91240B29-F687-4f45-9708-019B960494DF}">
-                  <a14:hiddenLine xmlns="" xmlns:a14="http://schemas.microsoft.com/office/drawing/2010/main" w="9525">
+                  <a14:hiddenLine xmlns:a14="http://schemas.microsoft.com/office/drawing/2010/main" xmlns="" w="9525">
                     <a:solidFill>
                       <a:srgbClr val="000000"/>
                     </a:solidFill>
@@ -11523,7 +11523,7 @@
               </a:ln>
               <a:extLst>
                 <a:ext uri="{91240B29-F687-4f45-9708-019B960494DF}">
-                  <a14:hiddenLine xmlns="" xmlns:a14="http://schemas.microsoft.com/office/drawing/2010/main" w="9525">
+                  <a14:hiddenLine xmlns:a14="http://schemas.microsoft.com/office/drawing/2010/main" xmlns="" w="9525">
                     <a:solidFill>
                       <a:srgbClr val="000000"/>
                     </a:solidFill>
@@ -11638,7 +11638,7 @@
               </a:ln>
               <a:extLst>
                 <a:ext uri="{91240B29-F687-4f45-9708-019B960494DF}">
-                  <a14:hiddenLine xmlns="" xmlns:a14="http://schemas.microsoft.com/office/drawing/2010/main" w="9525">
+                  <a14:hiddenLine xmlns:a14="http://schemas.microsoft.com/office/drawing/2010/main" xmlns="" w="9525">
                     <a:solidFill>
                       <a:srgbClr val="000000"/>
                     </a:solidFill>
@@ -11728,7 +11728,7 @@
               </a:ln>
               <a:extLst>
                 <a:ext uri="{91240B29-F687-4f45-9708-019B960494DF}">
-                  <a14:hiddenLine xmlns="" xmlns:a14="http://schemas.microsoft.com/office/drawing/2010/main" w="9525">
+                  <a14:hiddenLine xmlns:a14="http://schemas.microsoft.com/office/drawing/2010/main" xmlns="" w="9525">
                     <a:solidFill>
                       <a:srgbClr val="000000"/>
                     </a:solidFill>
@@ -11793,7 +11793,7 @@
               </a:ln>
               <a:extLst>
                 <a:ext uri="{91240B29-F687-4f45-9708-019B960494DF}">
-                  <a14:hiddenLine xmlns="" xmlns:a14="http://schemas.microsoft.com/office/drawing/2010/main" w="9525">
+                  <a14:hiddenLine xmlns:a14="http://schemas.microsoft.com/office/drawing/2010/main" xmlns="" w="9525">
                     <a:solidFill>
                       <a:srgbClr val="000000"/>
                     </a:solidFill>
@@ -11883,7 +11883,7 @@
               </a:ln>
               <a:extLst>
                 <a:ext uri="{91240B29-F687-4f45-9708-019B960494DF}">
-                  <a14:hiddenLine xmlns="" xmlns:a14="http://schemas.microsoft.com/office/drawing/2010/main" w="9525">
+                  <a14:hiddenLine xmlns:a14="http://schemas.microsoft.com/office/drawing/2010/main" xmlns="" w="9525">
                     <a:solidFill>
                       <a:srgbClr val="000000"/>
                     </a:solidFill>
@@ -11951,7 +11951,7 @@
               </a:ln>
               <a:extLst>
                 <a:ext uri="{91240B29-F687-4f45-9708-019B960494DF}">
-                  <a14:hiddenLine xmlns="" xmlns:a14="http://schemas.microsoft.com/office/drawing/2010/main" w="9525">
+                  <a14:hiddenLine xmlns:a14="http://schemas.microsoft.com/office/drawing/2010/main" xmlns="" w="9525">
                     <a:solidFill>
                       <a:srgbClr val="000000"/>
                     </a:solidFill>
@@ -12041,7 +12041,7 @@
               </a:ln>
               <a:extLst>
                 <a:ext uri="{91240B29-F687-4f45-9708-019B960494DF}">
-                  <a14:hiddenLine xmlns="" xmlns:a14="http://schemas.microsoft.com/office/drawing/2010/main" w="9525">
+                  <a14:hiddenLine xmlns:a14="http://schemas.microsoft.com/office/drawing/2010/main" xmlns="" w="9525">
                     <a:solidFill>
                       <a:srgbClr val="000000"/>
                     </a:solidFill>
@@ -12109,7 +12109,7 @@
               </a:ln>
               <a:extLst>
                 <a:ext uri="{91240B29-F687-4f45-9708-019B960494DF}">
-                  <a14:hiddenLine xmlns="" xmlns:a14="http://schemas.microsoft.com/office/drawing/2010/main" w="9525">
+                  <a14:hiddenLine xmlns:a14="http://schemas.microsoft.com/office/drawing/2010/main" xmlns="" w="9525">
                     <a:solidFill>
                       <a:srgbClr val="000000"/>
                     </a:solidFill>
@@ -12199,7 +12199,7 @@
               </a:ln>
               <a:extLst>
                 <a:ext uri="{91240B29-F687-4f45-9708-019B960494DF}">
-                  <a14:hiddenLine xmlns="" xmlns:a14="http://schemas.microsoft.com/office/drawing/2010/main" w="9525">
+                  <a14:hiddenLine xmlns:a14="http://schemas.microsoft.com/office/drawing/2010/main" xmlns="" w="9525">
                     <a:solidFill>
                       <a:srgbClr val="000000"/>
                     </a:solidFill>
@@ -12233,7 +12233,7 @@
               </a:ln>
               <a:extLst>
                 <a:ext uri="{91240B29-F687-4f45-9708-019B960494DF}">
-                  <a14:hiddenLine xmlns="" xmlns:a14="http://schemas.microsoft.com/office/drawing/2010/main" w="9525">
+                  <a14:hiddenLine xmlns:a14="http://schemas.microsoft.com/office/drawing/2010/main" xmlns="" w="9525">
                     <a:solidFill>
                       <a:srgbClr val="000000"/>
                     </a:solidFill>
@@ -12858,10 +12858,10 @@
       </p:sp>
       <p:sp>
         <p:nvSpPr>
-          <p:cNvPr id="4" name="Slide Number Placeholder 3">
+          <p:cNvPr id="5" name="Slide Number Placeholder 3">
             <a:extLst>
               <a:ext uri="{FF2B5EF4-FFF2-40B4-BE49-F238E27FC236}">
-                <a16:creationId xmlns:a16="http://schemas.microsoft.com/office/drawing/2014/main" id="{3100915E-B567-438C-9981-DD931A1DCD3B}"/>
+                <a16:creationId xmlns:a16="http://schemas.microsoft.com/office/drawing/2014/main" id="{040CD1CD-B284-4C6A-BDF0-7108659524E4}"/>
               </a:ext>
             </a:extLst>
           </p:cNvPr>
@@ -12872,7 +12872,12 @@
             <p:ph type="sldNum" sz="quarter" idx="12"/>
           </p:nvPr>
         </p:nvSpPr>
-        <p:spPr/>
+        <p:spPr>
+          <a:xfrm>
+            <a:off x="9619096" y="6426199"/>
+            <a:ext cx="771089" cy="365125"/>
+          </a:xfrm>
+        </p:spPr>
         <p:txBody>
           <a:bodyPr/>
           <a:lstStyle/>
@@ -12883,7 +12888,7 @@
             </a:fld>
             <a:r>
               <a:rPr lang="en-US" dirty="0"/>
-              <a:t>/1</a:t>
+              <a:t>/6</a:t>
             </a:r>
           </a:p>
         </p:txBody>
@@ -12967,7 +12972,28 @@
           <a:bodyPr/>
           <a:lstStyle/>
           <a:p>
-            <a:endParaRPr lang="en-US"/>
+            <a:r>
+              <a:rPr lang="en-US" dirty="0"/>
+              <a:t>For each pixel in the input image, the maximum difference in value from its eight neighbors is calculated</a:t>
+            </a:r>
+          </a:p>
+          <a:p>
+            <a:r>
+              <a:rPr lang="en-US" dirty="0"/>
+              <a:t>If this value is under the given threshold (suggested to be 30-50 for 8-bit brightness) the outstream pixel is value 0 (no color/zero brightness)</a:t>
+            </a:r>
+          </a:p>
+          <a:p>
+            <a:r>
+              <a:rPr lang="en-US" dirty="0"/>
+              <a:t>Detects high-to-low or low-to-high brightness edges</a:t>
+            </a:r>
+          </a:p>
+          <a:p>
+            <a:r>
+              <a:rPr lang="en-US" dirty="0"/>
+              <a:t>Contiguous areas of similar color/brightness will be black</a:t>
+            </a:r>
           </a:p>
         </p:txBody>
       </p:sp>
@@ -12987,7 +13013,12 @@
             <p:ph type="sldNum" sz="quarter" idx="12"/>
           </p:nvPr>
         </p:nvSpPr>
-        <p:spPr/>
+        <p:spPr>
+          <a:xfrm>
+            <a:off x="9619096" y="6426199"/>
+            <a:ext cx="771089" cy="365125"/>
+          </a:xfrm>
+        </p:spPr>
         <p:txBody>
           <a:bodyPr/>
           <a:lstStyle/>
@@ -12996,7 +13027,10 @@
               <a:rPr lang="en-US" smtClean="0"/>
               <a:t>2</a:t>
             </a:fld>
-            <a:endParaRPr lang="en-US"/>
+            <a:r>
+              <a:rPr lang="en-US" dirty="0"/>
+              <a:t>/6</a:t>
+            </a:r>
           </a:p>
         </p:txBody>
       </p:sp>
@@ -13079,16 +13113,37 @@
           <a:bodyPr/>
           <a:lstStyle/>
           <a:p>
-            <a:endParaRPr lang="en-US"/>
+            <a:r>
+              <a:rPr lang="en-US" dirty="0"/>
+              <a:t>“Realtime” image/video edge detection possible by streaming pre-processing images through FPGA</a:t>
+            </a:r>
+          </a:p>
+          <a:p>
+            <a:r>
+              <a:rPr lang="en-US" dirty="0"/>
+              <a:t>Low/High brightness edge boosting when combining edge detection output with original image</a:t>
+            </a:r>
+          </a:p>
+          <a:p>
+            <a:r>
+              <a:rPr lang="en-US" dirty="0"/>
+              <a:t>Adjustable threshold value does not require re-mapping of Kernel code onto FPGA (Could be used as ASIC chip for increased speed)</a:t>
+            </a:r>
+          </a:p>
+          <a:p>
+            <a:r>
+              <a:rPr lang="en-US" dirty="0"/>
+              <a:t>Also applies to border pixels with special edge conditions</a:t>
+            </a:r>
           </a:p>
         </p:txBody>
       </p:sp>
       <p:sp>
         <p:nvSpPr>
-          <p:cNvPr id="4" name="Slide Number Placeholder 3">
+          <p:cNvPr id="5" name="Slide Number Placeholder 3">
             <a:extLst>
               <a:ext uri="{FF2B5EF4-FFF2-40B4-BE49-F238E27FC236}">
-                <a16:creationId xmlns:a16="http://schemas.microsoft.com/office/drawing/2014/main" id="{0338EA56-8ABF-4BC0-8569-9EF69DA9229E}"/>
+                <a16:creationId xmlns:a16="http://schemas.microsoft.com/office/drawing/2014/main" id="{11E4D3F5-CB85-4F97-9635-165DC40B2E04}"/>
               </a:ext>
             </a:extLst>
           </p:cNvPr>
@@ -13099,7 +13154,12 @@
             <p:ph type="sldNum" sz="quarter" idx="12"/>
           </p:nvPr>
         </p:nvSpPr>
-        <p:spPr/>
+        <p:spPr>
+          <a:xfrm>
+            <a:off x="9619096" y="6426199"/>
+            <a:ext cx="771089" cy="365125"/>
+          </a:xfrm>
+        </p:spPr>
         <p:txBody>
           <a:bodyPr/>
           <a:lstStyle/>
@@ -13108,7 +13168,10 @@
               <a:rPr lang="en-US" smtClean="0"/>
               <a:t>3</a:t>
             </a:fld>
-            <a:endParaRPr lang="en-US"/>
+            <a:r>
+              <a:rPr lang="en-US" dirty="0"/>
+              <a:t>/6</a:t>
+            </a:r>
           </a:p>
         </p:txBody>
       </p:sp>
@@ -13191,16 +13254,31 @@
           <a:bodyPr/>
           <a:lstStyle/>
           <a:p>
-            <a:endParaRPr lang="en-US"/>
+            <a:r>
+              <a:rPr lang="en-US" sz="3200" dirty="0"/>
+              <a:t>Input is single stream of pixels</a:t>
+            </a:r>
+          </a:p>
+          <a:p>
+            <a:r>
+              <a:rPr lang="en-US" sz="3200" dirty="0"/>
+              <a:t>Currently allows only greyscale (single brightness value), but could easily be modified for RGB input</a:t>
+            </a:r>
+          </a:p>
+          <a:p>
+            <a:pPr marL="0" indent="0">
+              <a:buNone/>
+            </a:pPr>
+            <a:endParaRPr lang="en-US" dirty="0"/>
           </a:p>
         </p:txBody>
       </p:sp>
       <p:sp>
         <p:nvSpPr>
-          <p:cNvPr id="4" name="Slide Number Placeholder 3">
+          <p:cNvPr id="5" name="Slide Number Placeholder 3">
             <a:extLst>
               <a:ext uri="{FF2B5EF4-FFF2-40B4-BE49-F238E27FC236}">
-                <a16:creationId xmlns:a16="http://schemas.microsoft.com/office/drawing/2014/main" id="{65162769-2DA6-4E39-A121-4EE3A1A2D35A}"/>
+                <a16:creationId xmlns:a16="http://schemas.microsoft.com/office/drawing/2014/main" id="{434CA7EA-7E94-45BA-BEE9-3EE9994B51B3}"/>
               </a:ext>
             </a:extLst>
           </p:cNvPr>
@@ -13211,7 +13289,12 @@
             <p:ph type="sldNum" sz="quarter" idx="12"/>
           </p:nvPr>
         </p:nvSpPr>
-        <p:spPr/>
+        <p:spPr>
+          <a:xfrm>
+            <a:off x="9619096" y="6426199"/>
+            <a:ext cx="771089" cy="365125"/>
+          </a:xfrm>
+        </p:spPr>
         <p:txBody>
           <a:bodyPr/>
           <a:lstStyle/>
@@ -13220,7 +13303,10 @@
               <a:rPr lang="en-US" smtClean="0"/>
               <a:t>4</a:t>
             </a:fld>
-            <a:endParaRPr lang="en-US"/>
+            <a:r>
+              <a:rPr lang="en-US" dirty="0"/>
+              <a:t>/6</a:t>
+            </a:r>
           </a:p>
         </p:txBody>
       </p:sp>
@@ -13300,19 +13386,30 @@
         </p:nvSpPr>
         <p:spPr/>
         <p:txBody>
-          <a:bodyPr/>
+          <a:bodyPr>
+            <a:normAutofit/>
+          </a:bodyPr>
           <a:lstStyle/>
           <a:p>
-            <a:endParaRPr lang="en-US"/>
+            <a:r>
+              <a:rPr lang="en-US" sz="3200" dirty="0"/>
+              <a:t>Single stream of 8-bit integer brightness values</a:t>
+            </a:r>
+          </a:p>
+          <a:p>
+            <a:r>
+              <a:rPr lang="en-US" sz="3200" dirty="0"/>
+              <a:t>(A modified version for RGB values would stream out 3 8-bit integer in a vector)</a:t>
+            </a:r>
           </a:p>
         </p:txBody>
       </p:sp>
       <p:sp>
         <p:nvSpPr>
-          <p:cNvPr id="4" name="Slide Number Placeholder 3">
+          <p:cNvPr id="5" name="Slide Number Placeholder 3">
             <a:extLst>
               <a:ext uri="{FF2B5EF4-FFF2-40B4-BE49-F238E27FC236}">
-                <a16:creationId xmlns:a16="http://schemas.microsoft.com/office/drawing/2014/main" id="{0BFEA913-63D0-48A1-A073-FE6DA8AE2685}"/>
+                <a16:creationId xmlns:a16="http://schemas.microsoft.com/office/drawing/2014/main" id="{37484EB9-D0B2-4693-8B71-D49934E092DC}"/>
               </a:ext>
             </a:extLst>
           </p:cNvPr>
@@ -13323,7 +13420,12 @@
             <p:ph type="sldNum" sz="quarter" idx="12"/>
           </p:nvPr>
         </p:nvSpPr>
-        <p:spPr/>
+        <p:spPr>
+          <a:xfrm>
+            <a:off x="9619096" y="6426199"/>
+            <a:ext cx="771089" cy="365125"/>
+          </a:xfrm>
+        </p:spPr>
         <p:txBody>
           <a:bodyPr/>
           <a:lstStyle/>
@@ -13332,7 +13434,10 @@
               <a:rPr lang="en-US" smtClean="0"/>
               <a:t>5</a:t>
             </a:fld>
-            <a:endParaRPr lang="en-US"/>
+            <a:r>
+              <a:rPr lang="en-US" dirty="0"/>
+              <a:t>/6</a:t>
+            </a:r>
           </a:p>
         </p:txBody>
       </p:sp>
@@ -13412,19 +13517,36 @@
         </p:nvSpPr>
         <p:spPr/>
         <p:txBody>
-          <a:bodyPr/>
+          <a:bodyPr>
+            <a:normAutofit/>
+          </a:bodyPr>
           <a:lstStyle/>
           <a:p>
-            <a:endParaRPr lang="en-US"/>
+            <a:r>
+              <a:rPr lang="en-US" sz="2800" dirty="0"/>
+              <a:t>Improvements likely significant enough to be usable on high-end image sensors</a:t>
+            </a:r>
+          </a:p>
+          <a:p>
+            <a:r>
+              <a:rPr lang="en-US" sz="2800" dirty="0"/>
+              <a:t>Significant performance gain from switching to dataflow paradigm</a:t>
+            </a:r>
+          </a:p>
+          <a:p>
+            <a:r>
+              <a:rPr lang="en-US" sz="2800" dirty="0"/>
+              <a:t>Decreased power dissipation from running computations at the hardware layer</a:t>
+            </a:r>
           </a:p>
         </p:txBody>
       </p:sp>
       <p:sp>
         <p:nvSpPr>
-          <p:cNvPr id="4" name="Slide Number Placeholder 3">
+          <p:cNvPr id="5" name="Slide Number Placeholder 3">
             <a:extLst>
               <a:ext uri="{FF2B5EF4-FFF2-40B4-BE49-F238E27FC236}">
-                <a16:creationId xmlns:a16="http://schemas.microsoft.com/office/drawing/2014/main" id="{60FCCBE9-62F3-482A-AAFF-1A1B505CE3B8}"/>
+                <a16:creationId xmlns:a16="http://schemas.microsoft.com/office/drawing/2014/main" id="{A3473805-25FD-499A-BFF6-92622D831ECF}"/>
               </a:ext>
             </a:extLst>
           </p:cNvPr>
@@ -13435,7 +13557,12 @@
             <p:ph type="sldNum" sz="quarter" idx="12"/>
           </p:nvPr>
         </p:nvSpPr>
-        <p:spPr/>
+        <p:spPr>
+          <a:xfrm>
+            <a:off x="9619096" y="6426199"/>
+            <a:ext cx="771089" cy="365125"/>
+          </a:xfrm>
+        </p:spPr>
         <p:txBody>
           <a:bodyPr/>
           <a:lstStyle/>
@@ -13444,7 +13571,10 @@
               <a:rPr lang="en-US" smtClean="0"/>
               <a:t>6</a:t>
             </a:fld>
-            <a:endParaRPr lang="en-US"/>
+            <a:r>
+              <a:rPr lang="en-US" dirty="0"/>
+              <a:t>/6</a:t>
+            </a:r>
           </a:p>
         </p:txBody>
       </p:sp>
